--- a/Linear Regression sample.pptx
+++ b/Linear Regression sample.pptx
@@ -200,7 +200,8 @@
           <a:p>
             <a:fld id="{9088169A-5804-43F5-8B9A-66D7FF44792C}" type="datetimeFigureOut">
               <a:rPr lang="en-US" smtClean="0"/>
-              <a:t>10/23/2014</a:t>
+              <a:pPr/>
+              <a:t>10/27/2014</a:t>
             </a:fld>
             <a:endParaRPr lang="en-US"/>
           </a:p>
@@ -361,6 +362,7 @@
           <a:p>
             <a:fld id="{5EA239B2-33CD-48B5-BC22-D6DBF975FDD7}" type="slidenum">
               <a:rPr lang="en-US" smtClean="0"/>
+              <a:pPr/>
               <a:t>‹#›</a:t>
             </a:fld>
             <a:endParaRPr lang="en-US"/>
@@ -532,6 +534,7 @@
           <a:p>
             <a:fld id="{5EA239B2-33CD-48B5-BC22-D6DBF975FDD7}" type="slidenum">
               <a:rPr lang="en-US" smtClean="0"/>
+              <a:pPr/>
               <a:t>7</a:t>
             </a:fld>
             <a:endParaRPr lang="en-US"/>
@@ -727,7 +730,8 @@
           <a:p>
             <a:fld id="{E44C3E6B-7784-4002-BD4B-E371254313B9}" type="datetimeFigureOut">
               <a:rPr lang="en-US" smtClean="0"/>
-              <a:t>10/23/2014</a:t>
+              <a:pPr/>
+              <a:t>10/27/2014</a:t>
             </a:fld>
             <a:endParaRPr lang="en-US"/>
           </a:p>
@@ -769,6 +773,7 @@
           <a:p>
             <a:fld id="{1705C7C4-234E-4715-840B-6388CD5C0B2F}" type="slidenum">
               <a:rPr lang="en-US" smtClean="0"/>
+              <a:pPr/>
               <a:t>‹#›</a:t>
             </a:fld>
             <a:endParaRPr lang="en-US"/>
@@ -892,7 +897,8 @@
           <a:p>
             <a:fld id="{E44C3E6B-7784-4002-BD4B-E371254313B9}" type="datetimeFigureOut">
               <a:rPr lang="en-US" smtClean="0"/>
-              <a:t>10/23/2014</a:t>
+              <a:pPr/>
+              <a:t>10/27/2014</a:t>
             </a:fld>
             <a:endParaRPr lang="en-US"/>
           </a:p>
@@ -934,6 +940,7 @@
           <a:p>
             <a:fld id="{1705C7C4-234E-4715-840B-6388CD5C0B2F}" type="slidenum">
               <a:rPr lang="en-US" smtClean="0"/>
+              <a:pPr/>
               <a:t>‹#›</a:t>
             </a:fld>
             <a:endParaRPr lang="en-US"/>
@@ -1067,7 +1074,8 @@
           <a:p>
             <a:fld id="{E44C3E6B-7784-4002-BD4B-E371254313B9}" type="datetimeFigureOut">
               <a:rPr lang="en-US" smtClean="0"/>
-              <a:t>10/23/2014</a:t>
+              <a:pPr/>
+              <a:t>10/27/2014</a:t>
             </a:fld>
             <a:endParaRPr lang="en-US"/>
           </a:p>
@@ -1109,6 +1117,7 @@
           <a:p>
             <a:fld id="{1705C7C4-234E-4715-840B-6388CD5C0B2F}" type="slidenum">
               <a:rPr lang="en-US" smtClean="0"/>
+              <a:pPr/>
               <a:t>‹#›</a:t>
             </a:fld>
             <a:endParaRPr lang="en-US"/>
@@ -1232,7 +1241,8 @@
           <a:p>
             <a:fld id="{E44C3E6B-7784-4002-BD4B-E371254313B9}" type="datetimeFigureOut">
               <a:rPr lang="en-US" smtClean="0"/>
-              <a:t>10/23/2014</a:t>
+              <a:pPr/>
+              <a:t>10/27/2014</a:t>
             </a:fld>
             <a:endParaRPr lang="en-US"/>
           </a:p>
@@ -1274,6 +1284,7 @@
           <a:p>
             <a:fld id="{1705C7C4-234E-4715-840B-6388CD5C0B2F}" type="slidenum">
               <a:rPr lang="en-US" smtClean="0"/>
+              <a:pPr/>
               <a:t>‹#›</a:t>
             </a:fld>
             <a:endParaRPr lang="en-US"/>
@@ -1473,7 +1484,8 @@
           <a:p>
             <a:fld id="{E44C3E6B-7784-4002-BD4B-E371254313B9}" type="datetimeFigureOut">
               <a:rPr lang="en-US" smtClean="0"/>
-              <a:t>10/23/2014</a:t>
+              <a:pPr/>
+              <a:t>10/27/2014</a:t>
             </a:fld>
             <a:endParaRPr lang="en-US"/>
           </a:p>
@@ -1515,6 +1527,7 @@
           <a:p>
             <a:fld id="{1705C7C4-234E-4715-840B-6388CD5C0B2F}" type="slidenum">
               <a:rPr lang="en-US" smtClean="0"/>
+              <a:pPr/>
               <a:t>‹#›</a:t>
             </a:fld>
             <a:endParaRPr lang="en-US"/>
@@ -1756,7 +1769,8 @@
           <a:p>
             <a:fld id="{E44C3E6B-7784-4002-BD4B-E371254313B9}" type="datetimeFigureOut">
               <a:rPr lang="en-US" smtClean="0"/>
-              <a:t>10/23/2014</a:t>
+              <a:pPr/>
+              <a:t>10/27/2014</a:t>
             </a:fld>
             <a:endParaRPr lang="en-US"/>
           </a:p>
@@ -1798,6 +1812,7 @@
           <a:p>
             <a:fld id="{1705C7C4-234E-4715-840B-6388CD5C0B2F}" type="slidenum">
               <a:rPr lang="en-US" smtClean="0"/>
+              <a:pPr/>
               <a:t>‹#›</a:t>
             </a:fld>
             <a:endParaRPr lang="en-US"/>
@@ -2173,7 +2188,8 @@
           <a:p>
             <a:fld id="{E44C3E6B-7784-4002-BD4B-E371254313B9}" type="datetimeFigureOut">
               <a:rPr lang="en-US" smtClean="0"/>
-              <a:t>10/23/2014</a:t>
+              <a:pPr/>
+              <a:t>10/27/2014</a:t>
             </a:fld>
             <a:endParaRPr lang="en-US"/>
           </a:p>
@@ -2215,6 +2231,7 @@
           <a:p>
             <a:fld id="{1705C7C4-234E-4715-840B-6388CD5C0B2F}" type="slidenum">
               <a:rPr lang="en-US" smtClean="0"/>
+              <a:pPr/>
               <a:t>‹#›</a:t>
             </a:fld>
             <a:endParaRPr lang="en-US"/>
@@ -2286,7 +2303,8 @@
           <a:p>
             <a:fld id="{E44C3E6B-7784-4002-BD4B-E371254313B9}" type="datetimeFigureOut">
               <a:rPr lang="en-US" smtClean="0"/>
-              <a:t>10/23/2014</a:t>
+              <a:pPr/>
+              <a:t>10/27/2014</a:t>
             </a:fld>
             <a:endParaRPr lang="en-US"/>
           </a:p>
@@ -2328,6 +2346,7 @@
           <a:p>
             <a:fld id="{1705C7C4-234E-4715-840B-6388CD5C0B2F}" type="slidenum">
               <a:rPr lang="en-US" smtClean="0"/>
+              <a:pPr/>
               <a:t>‹#›</a:t>
             </a:fld>
             <a:endParaRPr lang="en-US"/>
@@ -2376,7 +2395,8 @@
           <a:p>
             <a:fld id="{E44C3E6B-7784-4002-BD4B-E371254313B9}" type="datetimeFigureOut">
               <a:rPr lang="en-US" smtClean="0"/>
-              <a:t>10/23/2014</a:t>
+              <a:pPr/>
+              <a:t>10/27/2014</a:t>
             </a:fld>
             <a:endParaRPr lang="en-US"/>
           </a:p>
@@ -2418,6 +2438,7 @@
           <a:p>
             <a:fld id="{1705C7C4-234E-4715-840B-6388CD5C0B2F}" type="slidenum">
               <a:rPr lang="en-US" smtClean="0"/>
+              <a:pPr/>
               <a:t>‹#›</a:t>
             </a:fld>
             <a:endParaRPr lang="en-US"/>
@@ -2648,7 +2669,8 @@
           <a:p>
             <a:fld id="{E44C3E6B-7784-4002-BD4B-E371254313B9}" type="datetimeFigureOut">
               <a:rPr lang="en-US" smtClean="0"/>
-              <a:t>10/23/2014</a:t>
+              <a:pPr/>
+              <a:t>10/27/2014</a:t>
             </a:fld>
             <a:endParaRPr lang="en-US"/>
           </a:p>
@@ -2690,6 +2712,7 @@
           <a:p>
             <a:fld id="{1705C7C4-234E-4715-840B-6388CD5C0B2F}" type="slidenum">
               <a:rPr lang="en-US" smtClean="0"/>
+              <a:pPr/>
               <a:t>‹#›</a:t>
             </a:fld>
             <a:endParaRPr lang="en-US"/>
@@ -2896,7 +2919,8 @@
           <a:p>
             <a:fld id="{E44C3E6B-7784-4002-BD4B-E371254313B9}" type="datetimeFigureOut">
               <a:rPr lang="en-US" smtClean="0"/>
-              <a:t>10/23/2014</a:t>
+              <a:pPr/>
+              <a:t>10/27/2014</a:t>
             </a:fld>
             <a:endParaRPr lang="en-US"/>
           </a:p>
@@ -2938,6 +2962,7 @@
           <a:p>
             <a:fld id="{1705C7C4-234E-4715-840B-6388CD5C0B2F}" type="slidenum">
               <a:rPr lang="en-US" smtClean="0"/>
+              <a:pPr/>
               <a:t>‹#›</a:t>
             </a:fld>
             <a:endParaRPr lang="en-US"/>
@@ -3104,7 +3129,8 @@
           <a:p>
             <a:fld id="{E44C3E6B-7784-4002-BD4B-E371254313B9}" type="datetimeFigureOut">
               <a:rPr lang="en-US" smtClean="0"/>
-              <a:t>10/23/2014</a:t>
+              <a:pPr/>
+              <a:t>10/27/2014</a:t>
             </a:fld>
             <a:endParaRPr lang="en-US"/>
           </a:p>
@@ -3182,6 +3208,7 @@
           <a:p>
             <a:fld id="{1705C7C4-234E-4715-840B-6388CD5C0B2F}" type="slidenum">
               <a:rPr lang="en-US" smtClean="0"/>
+              <a:pPr/>
               <a:t>‹#›</a:t>
             </a:fld>
             <a:endParaRPr lang="en-US"/>
@@ -3511,30 +3538,18 @@
           </a:p>
         </p:txBody>
       </p:sp>
-      <p:sp>
-        <p:nvSpPr>
-          <p:cNvPr id="3" name="Subtitle 2"/>
-          <p:cNvSpPr>
-            <a:spLocks noGrp="1"/>
-          </p:cNvSpPr>
-          <p:nvPr>
-            <p:ph type="subTitle" idx="1"/>
-          </p:nvPr>
-        </p:nvSpPr>
-        <p:spPr/>
-        <p:txBody>
-          <a:bodyPr/>
-          <a:lstStyle/>
-          <a:p>
-            <a:endParaRPr lang="en-US" dirty="0"/>
-          </a:p>
-        </p:txBody>
-      </p:sp>
     </p:spTree>
   </p:cSld>
   <p:clrMapOvr>
     <a:masterClrMapping/>
   </p:clrMapOvr>
+  <p:timing>
+    <p:tnLst>
+      <p:par>
+        <p:cTn id="1" dur="indefinite" restart="never" nodeType="tmRoot"/>
+      </p:par>
+    </p:tnLst>
+  </p:timing>
 </p:sld>
 </file>
 
@@ -3626,6 +3641,13 @@
   <p:clrMapOvr>
     <a:masterClrMapping/>
   </p:clrMapOvr>
+  <p:timing>
+    <p:tnLst>
+      <p:par>
+        <p:cTn id="1" dur="indefinite" restart="never" nodeType="tmRoot"/>
+      </p:par>
+    </p:tnLst>
+  </p:timing>
 </p:sld>
 </file>
 
@@ -3771,6 +3793,13 @@
   <p:clrMapOvr>
     <a:masterClrMapping/>
   </p:clrMapOvr>
+  <p:timing>
+    <p:tnLst>
+      <p:par>
+        <p:cTn id="1" dur="indefinite" restart="never" nodeType="tmRoot"/>
+      </p:par>
+    </p:tnLst>
+  </p:timing>
 </p:sld>
 </file>
 
@@ -3858,6 +3887,13 @@
   <p:clrMapOvr>
     <a:masterClrMapping/>
   </p:clrMapOvr>
+  <p:timing>
+    <p:tnLst>
+      <p:par>
+        <p:cTn id="1" dur="indefinite" restart="never" nodeType="tmRoot"/>
+      </p:par>
+    </p:tnLst>
+  </p:timing>
 </p:sld>
 </file>
 
@@ -3891,15 +3927,43 @@
         <p:spPr/>
         <p:txBody>
           <a:bodyPr>
-            <a:normAutofit fontScale="90000"/>
+            <a:normAutofit/>
           </a:bodyPr>
           <a:lstStyle/>
           <a:p>
             <a:r>
-              <a:rPr lang="en-US" dirty="0" smtClean="0"/>
-              <a:t>Regression of Sales on TV and Newspaper &amp; on TV and Radio</a:t>
-            </a:r>
-            <a:endParaRPr lang="en-US" dirty="0"/>
+              <a:rPr lang="en-US" sz="1800" dirty="0" smtClean="0"/>
+              <a:t>Regression of Sales on </a:t>
+            </a:r>
+            <a:r>
+              <a:rPr lang="en-US" sz="1800" dirty="0" smtClean="0"/>
+              <a:t>TV + Newspaper </a:t>
+            </a:r>
+            <a:r>
+              <a:rPr lang="en-US" sz="1800" dirty="0" smtClean="0"/>
+              <a:t>&amp; Regression of Sales</a:t>
+            </a:r>
+            <a:r>
+              <a:rPr lang="en-US" sz="1800" dirty="0" smtClean="0"/>
+              <a:t> </a:t>
+            </a:r>
+            <a:r>
+              <a:rPr lang="en-US" sz="1800" dirty="0" smtClean="0"/>
+              <a:t>on TV </a:t>
+            </a:r>
+            <a:r>
+              <a:rPr lang="en-US" sz="1800" dirty="0" smtClean="0"/>
+              <a:t>+</a:t>
+            </a:r>
+            <a:r>
+              <a:rPr lang="en-US" sz="1800" dirty="0" smtClean="0"/>
+              <a:t> </a:t>
+            </a:r>
+            <a:r>
+              <a:rPr lang="en-US" sz="1800" dirty="0" smtClean="0"/>
+              <a:t>Radio</a:t>
+            </a:r>
+            <a:endParaRPr lang="en-US" sz="1800" dirty="0"/>
           </a:p>
         </p:txBody>
       </p:sp>
@@ -4079,6 +4143,13 @@
   <p:clrMapOvr>
     <a:masterClrMapping/>
   </p:clrMapOvr>
+  <p:timing>
+    <p:tnLst>
+      <p:par>
+        <p:cTn id="1" dur="indefinite" restart="never" nodeType="tmRoot"/>
+      </p:par>
+    </p:tnLst>
+  </p:timing>
 </p:sld>
 </file>
 
@@ -4192,6 +4263,13 @@
   <p:clrMapOvr>
     <a:masterClrMapping/>
   </p:clrMapOvr>
+  <p:timing>
+    <p:tnLst>
+      <p:par>
+        <p:cTn id="1" dur="indefinite" restart="never" nodeType="tmRoot"/>
+      </p:par>
+    </p:tnLst>
+  </p:timing>
 </p:sld>
 </file>
 
@@ -4406,6 +4484,13 @@
   <p:clrMapOvr>
     <a:masterClrMapping/>
   </p:clrMapOvr>
+  <p:timing>
+    <p:tnLst>
+      <p:par>
+        <p:cTn id="1" dur="indefinite" restart="never" nodeType="tmRoot"/>
+      </p:par>
+    </p:tnLst>
+  </p:timing>
 </p:sld>
 </file>
 
@@ -4636,35 +4721,18 @@
           </a:p>
         </p:txBody>
       </p:sp>
-      <p:pic>
-        <p:nvPicPr>
-          <p:cNvPr id="12" name="Picture 11" descr="figure_6.png"/>
-          <p:cNvPicPr>
-            <a:picLocks noChangeAspect="1"/>
-          </p:cNvPicPr>
-          <p:nvPr/>
-        </p:nvPicPr>
-        <p:blipFill>
-          <a:blip r:embed="rId4" cstate="print"/>
-          <a:stretch>
-            <a:fillRect/>
-          </a:stretch>
-        </p:blipFill>
-        <p:spPr>
-          <a:xfrm>
-            <a:off x="3966117" y="617214"/>
-            <a:ext cx="4332070" cy="3268986"/>
-          </a:xfrm>
-          <a:prstGeom prst="rect">
-            <a:avLst/>
-          </a:prstGeom>
-        </p:spPr>
-      </p:pic>
     </p:spTree>
   </p:cSld>
   <p:clrMapOvr>
     <a:masterClrMapping/>
   </p:clrMapOvr>
+  <p:timing>
+    <p:tnLst>
+      <p:par>
+        <p:cTn id="1" dur="indefinite" restart="never" nodeType="tmRoot"/>
+      </p:par>
+    </p:tnLst>
+  </p:timing>
 </p:sld>
 </file>
 
@@ -4800,8 +4868,8 @@
         </p:blipFill>
         <p:spPr>
           <a:xfrm>
-            <a:off x="685800" y="4672976"/>
-            <a:ext cx="2895600" cy="2185024"/>
+            <a:off x="381000" y="4672976"/>
+            <a:ext cx="3200400" cy="2185024"/>
           </a:xfrm>
           <a:prstGeom prst="rect">
             <a:avLst/>
@@ -4851,6 +4919,13 @@
   <p:clrMapOvr>
     <a:masterClrMapping/>
   </p:clrMapOvr>
+  <p:timing>
+    <p:tnLst>
+      <p:par>
+        <p:cTn id="1" dur="indefinite" restart="never" nodeType="tmRoot"/>
+      </p:par>
+    </p:tnLst>
+  </p:timing>
 </p:sld>
 </file>
 
